--- a/slides/instruction/principleWindows_extra.pptx
+++ b/slides/instruction/principleWindows_extra.pptx
@@ -6907,7 +6907,7 @@
           <a:p>
             <a:fld id="{62B690D2-9F6C-4A40-B045-5871089CDE7B}" type="datetimeFigureOut">
               <a:rPr lang="zh-CN" altLang="en-US" smtClean="0"/>
-              <a:t>2022/9/16</a:t>
+              <a:t>2022/10/9</a:t>
             </a:fld>
             <a:endParaRPr lang="zh-CN" altLang="en-US"/>
           </a:p>
@@ -12568,7 +12568,7 @@
           <a:p>
             <a:fld id="{F0A08C6D-CA89-457F-88D7-56281A3E4E44}" type="datetimeFigureOut">
               <a:rPr lang="zh-CN" altLang="en-US" smtClean="0"/>
-              <a:t>2022/9/16</a:t>
+              <a:t>2022/10/9</a:t>
             </a:fld>
             <a:endParaRPr lang="zh-CN" altLang="en-US"/>
           </a:p>
@@ -12995,7 +12995,7 @@
         </p:nvSpPr>
         <p:spPr>
           <a:xfrm>
-            <a:off x="24549" y="6546100"/>
+            <a:off x="24549" y="6585860"/>
             <a:ext cx="2539559" cy="280160"/>
           </a:xfrm>
         </p:spPr>
@@ -13032,7 +13032,7 @@
         </p:nvSpPr>
         <p:spPr>
           <a:xfrm>
-            <a:off x="9610538" y="6546100"/>
+            <a:off x="9610538" y="6585860"/>
             <a:ext cx="2539559" cy="280160"/>
           </a:xfrm>
         </p:spPr>
@@ -13190,6 +13190,44 @@
           </p:txBody>
         </p:sp>
       </p:grpSp>
+      <p:cxnSp>
+        <p:nvCxnSpPr>
+          <p:cNvPr id="9" name="直接连接符 8">
+            <a:extLst>
+              <a:ext uri="{FF2B5EF4-FFF2-40B4-BE49-F238E27FC236}">
+                <a16:creationId xmlns:a16="http://schemas.microsoft.com/office/drawing/2014/main" id="{A0140C56-30EC-4686-B2A5-F8E1584C3D56}"/>
+              </a:ext>
+            </a:extLst>
+          </p:cNvPr>
+          <p:cNvCxnSpPr>
+            <a:cxnSpLocks/>
+          </p:cNvCxnSpPr>
+          <p:nvPr userDrawn="1"/>
+        </p:nvCxnSpPr>
+        <p:spPr>
+          <a:xfrm>
+            <a:off x="-24680" y="6597352"/>
+            <a:ext cx="12216680" cy="0"/>
+          </a:xfrm>
+          <a:prstGeom prst="line">
+            <a:avLst/>
+          </a:prstGeom>
+          <a:solidFill>
+            <a:schemeClr val="accent1"/>
+          </a:solidFill>
+          <a:ln w="6350" cap="flat" cmpd="sng" algn="ctr">
+            <a:solidFill>
+              <a:schemeClr val="accent2">
+                <a:lumMod val="50000"/>
+              </a:schemeClr>
+            </a:solidFill>
+            <a:prstDash val="solid"/>
+            <a:round/>
+            <a:headEnd type="none" w="med" len="med"/>
+            <a:tailEnd type="none" w="med" len="med"/>
+          </a:ln>
+        </p:spPr>
+      </p:cxnSp>
     </p:spTree>
     <p:extLst>
       <p:ext uri="{BB962C8B-B14F-4D97-AF65-F5344CB8AC3E}">
@@ -14431,7 +14469,7 @@
         </p:nvSpPr>
         <p:spPr>
           <a:xfrm>
-            <a:off x="24550" y="6546100"/>
+            <a:off x="24550" y="6602900"/>
             <a:ext cx="2539559" cy="280160"/>
           </a:xfrm>
         </p:spPr>
@@ -14453,7 +14491,7 @@
             <a:pPr lvl="0" algn="l"/>
             <a:r>
               <a:rPr lang="en-US" sz="1000" dirty="0"/>
-              <a:t>FALL 2020</a:t>
+              <a:t>FALL 2022</a:t>
             </a:r>
           </a:p>
         </p:txBody>
@@ -14468,7 +14506,7 @@
         </p:nvSpPr>
         <p:spPr>
           <a:xfrm>
-            <a:off x="9610539" y="6546100"/>
+            <a:off x="9610539" y="6602900"/>
             <a:ext cx="2539559" cy="280160"/>
           </a:xfrm>
         </p:spPr>
@@ -14623,6 +14661,44 @@
           </p:txBody>
         </p:sp>
       </p:grpSp>
+      <p:cxnSp>
+        <p:nvCxnSpPr>
+          <p:cNvPr id="9" name="直接连接符 8">
+            <a:extLst>
+              <a:ext uri="{FF2B5EF4-FFF2-40B4-BE49-F238E27FC236}">
+                <a16:creationId xmlns:a16="http://schemas.microsoft.com/office/drawing/2014/main" id="{E656928C-479D-4572-B10C-E043E6914818}"/>
+              </a:ext>
+            </a:extLst>
+          </p:cNvPr>
+          <p:cNvCxnSpPr>
+            <a:cxnSpLocks/>
+          </p:cNvCxnSpPr>
+          <p:nvPr userDrawn="1"/>
+        </p:nvCxnSpPr>
+        <p:spPr>
+          <a:xfrm>
+            <a:off x="-24680" y="6597352"/>
+            <a:ext cx="12216680" cy="0"/>
+          </a:xfrm>
+          <a:prstGeom prst="line">
+            <a:avLst/>
+          </a:prstGeom>
+          <a:solidFill>
+            <a:schemeClr val="accent1"/>
+          </a:solidFill>
+          <a:ln w="6350" cap="flat" cmpd="sng" algn="ctr">
+            <a:solidFill>
+              <a:schemeClr val="accent2">
+                <a:lumMod val="50000"/>
+              </a:schemeClr>
+            </a:solidFill>
+            <a:prstDash val="solid"/>
+            <a:round/>
+            <a:headEnd type="none" w="med" len="med"/>
+            <a:tailEnd type="none" w="med" len="med"/>
+          </a:ln>
+        </p:spPr>
+      </p:cxnSp>
     </p:spTree>
     <p:extLst>
       <p:ext uri="{BB962C8B-B14F-4D97-AF65-F5344CB8AC3E}">
